--- a/component.pptx
+++ b/component.pptx
@@ -2620,183 +2620,36 @@
         <p:nvPr/>
       </p:nvGrpSpPr>
       <p:grpSpPr/>
-      <p:sp>
-        <p:nvSpPr>
-          <p:cNvPr id="4" name="圆角矩形 3"/>
-          <p:cNvSpPr/>
-          <p:nvPr/>
-        </p:nvSpPr>
-        <p:spPr>
-          <a:xfrm>
-            <a:off x="4591050" y="1601470"/>
-            <a:ext cx="1304290" cy="586740"/>
-          </a:xfrm>
-          <a:prstGeom prst="roundRect">
-            <a:avLst/>
-          </a:prstGeom>
-          <a:solidFill>
-            <a:srgbClr val="34495D"/>
-          </a:solidFill>
-          <a:ln>
-            <a:noFill/>
-          </a:ln>
-        </p:spPr>
-        <p:style>
-          <a:lnRef idx="2">
-            <a:schemeClr val="accent1">
-              <a:shade val="50000"/>
-            </a:schemeClr>
-          </a:lnRef>
-          <a:fillRef idx="1">
-            <a:schemeClr val="accent1"/>
-          </a:fillRef>
-          <a:effectRef idx="0">
-            <a:schemeClr val="accent1"/>
-          </a:effectRef>
-          <a:fontRef idx="minor">
-            <a:schemeClr val="lt1"/>
-          </a:fontRef>
-        </p:style>
-        <p:txBody>
-          <a:bodyPr rtlCol="0" anchor="ctr"/>
-          <a:p>
-            <a:pPr algn="ctr"/>
-            <a:r>
-              <a:rPr lang="en-US" altLang="zh-CN"/>
-              <a:t>App</a:t>
-            </a:r>
-            <a:endParaRPr lang="en-US" altLang="zh-CN"/>
-          </a:p>
-        </p:txBody>
-      </p:sp>
-      <p:sp>
-        <p:nvSpPr>
-          <p:cNvPr id="15" name="圆角矩形 14"/>
-          <p:cNvSpPr/>
-          <p:nvPr/>
-        </p:nvSpPr>
-        <p:spPr>
-          <a:xfrm>
-            <a:off x="2813685" y="2851785"/>
-            <a:ext cx="1304290" cy="586740"/>
-          </a:xfrm>
-          <a:prstGeom prst="roundRect">
-            <a:avLst/>
-          </a:prstGeom>
-          <a:solidFill>
-            <a:srgbClr val="FCB738"/>
-          </a:solidFill>
-          <a:ln>
-            <a:noFill/>
-          </a:ln>
-        </p:spPr>
-        <p:style>
-          <a:lnRef idx="2">
-            <a:schemeClr val="accent1">
-              <a:shade val="50000"/>
-            </a:schemeClr>
-          </a:lnRef>
-          <a:fillRef idx="1">
-            <a:schemeClr val="accent1"/>
-          </a:fillRef>
-          <a:effectRef idx="0">
-            <a:schemeClr val="accent1"/>
-          </a:effectRef>
-          <a:fontRef idx="minor">
-            <a:schemeClr val="lt1"/>
-          </a:fontRef>
-        </p:style>
-        <p:txBody>
-          <a:bodyPr rtlCol="0" anchor="ctr"/>
-          <a:p>
-            <a:pPr algn="ctr"/>
-            <a:r>
-              <a:rPr lang="en-US" altLang="zh-CN"/>
-              <a:t>View1</a:t>
-            </a:r>
-            <a:endParaRPr lang="en-US" altLang="zh-CN"/>
-          </a:p>
-        </p:txBody>
-      </p:sp>
-      <p:sp>
-        <p:nvSpPr>
-          <p:cNvPr id="16" name="圆角矩形 15"/>
-          <p:cNvSpPr/>
-          <p:nvPr/>
-        </p:nvSpPr>
-        <p:spPr>
-          <a:xfrm>
-            <a:off x="6368415" y="2851785"/>
-            <a:ext cx="1304290" cy="586740"/>
-          </a:xfrm>
-          <a:prstGeom prst="roundRect">
-            <a:avLst/>
-          </a:prstGeom>
-          <a:solidFill>
-            <a:srgbClr val="FCB738"/>
-          </a:solidFill>
-          <a:ln>
-            <a:noFill/>
-          </a:ln>
-        </p:spPr>
-        <p:style>
-          <a:lnRef idx="2">
-            <a:schemeClr val="accent1">
-              <a:shade val="50000"/>
-            </a:schemeClr>
-          </a:lnRef>
-          <a:fillRef idx="1">
-            <a:schemeClr val="accent1"/>
-          </a:fillRef>
-          <a:effectRef idx="0">
-            <a:schemeClr val="accent1"/>
-          </a:effectRef>
-          <a:fontRef idx="minor">
-            <a:schemeClr val="lt1"/>
-          </a:fontRef>
-        </p:style>
-        <p:txBody>
-          <a:bodyPr rtlCol="0" anchor="ctr"/>
-          <a:p>
-            <a:pPr algn="ctr"/>
-            <a:r>
-              <a:rPr lang="en-US" altLang="zh-CN"/>
-              <a:t>View2</a:t>
-            </a:r>
-            <a:endParaRPr lang="en-US" altLang="zh-CN"/>
-          </a:p>
-        </p:txBody>
-      </p:sp>
       <p:grpSp>
         <p:nvGrpSpPr>
-          <p:cNvPr id="31" name="组合 30"/>
+          <p:cNvPr id="50" name="组合 49"/>
           <p:cNvGrpSpPr/>
           <p:nvPr/>
         </p:nvGrpSpPr>
         <p:grpSpPr>
           <a:xfrm>
-            <a:off x="1795780" y="4072890"/>
-            <a:ext cx="1562100" cy="1703070"/>
-            <a:chOff x="2828" y="6414"/>
-            <a:chExt cx="2460" cy="2682"/>
+            <a:off x="3488690" y="1127760"/>
+            <a:ext cx="6894830" cy="4174490"/>
+            <a:chOff x="2828" y="2522"/>
+            <a:chExt cx="10858" cy="6574"/>
           </a:xfrm>
         </p:grpSpPr>
         <p:sp>
           <p:nvSpPr>
-            <p:cNvPr id="5" name="圆角矩形 4"/>
+            <p:cNvPr id="4" name="圆角矩形 3"/>
             <p:cNvSpPr/>
             <p:nvPr/>
           </p:nvSpPr>
           <p:spPr>
             <a:xfrm>
-              <a:off x="2916" y="6414"/>
-              <a:ext cx="2284" cy="924"/>
+              <a:off x="7230" y="2522"/>
+              <a:ext cx="2054" cy="924"/>
             </a:xfrm>
             <a:prstGeom prst="roundRect">
               <a:avLst/>
             </a:prstGeom>
             <a:solidFill>
-              <a:srgbClr val="DA5961"/>
+              <a:srgbClr val="34495D"/>
             </a:solidFill>
             <a:ln>
               <a:noFill/>
@@ -2824,7 +2677,105 @@
               <a:pPr algn="ctr"/>
               <a:r>
                 <a:rPr lang="en-US" altLang="zh-CN"/>
-                <a:t>Section1</a:t>
+                <a:t>App</a:t>
+              </a:r>
+              <a:endParaRPr lang="en-US" altLang="zh-CN"/>
+            </a:p>
+          </p:txBody>
+        </p:sp>
+        <p:sp>
+          <p:nvSpPr>
+            <p:cNvPr id="15" name="圆角矩形 14"/>
+            <p:cNvSpPr/>
+            <p:nvPr/>
+          </p:nvSpPr>
+          <p:spPr>
+            <a:xfrm>
+              <a:off x="4431" y="4491"/>
+              <a:ext cx="2054" cy="924"/>
+            </a:xfrm>
+            <a:prstGeom prst="roundRect">
+              <a:avLst/>
+            </a:prstGeom>
+            <a:solidFill>
+              <a:srgbClr val="FCB738"/>
+            </a:solidFill>
+            <a:ln>
+              <a:noFill/>
+            </a:ln>
+          </p:spPr>
+          <p:style>
+            <a:lnRef idx="2">
+              <a:schemeClr val="accent1">
+                <a:shade val="50000"/>
+              </a:schemeClr>
+            </a:lnRef>
+            <a:fillRef idx="1">
+              <a:schemeClr val="accent1"/>
+            </a:fillRef>
+            <a:effectRef idx="0">
+              <a:schemeClr val="accent1"/>
+            </a:effectRef>
+            <a:fontRef idx="minor">
+              <a:schemeClr val="lt1"/>
+            </a:fontRef>
+          </p:style>
+          <p:txBody>
+            <a:bodyPr rtlCol="0" anchor="ctr"/>
+            <a:p>
+              <a:pPr algn="ctr"/>
+              <a:r>
+                <a:rPr lang="en-US" altLang="zh-CN"/>
+                <a:t>View1</a:t>
+              </a:r>
+              <a:endParaRPr lang="en-US" altLang="zh-CN"/>
+            </a:p>
+          </p:txBody>
+        </p:sp>
+        <p:sp>
+          <p:nvSpPr>
+            <p:cNvPr id="16" name="圆角矩形 15"/>
+            <p:cNvSpPr/>
+            <p:nvPr/>
+          </p:nvSpPr>
+          <p:spPr>
+            <a:xfrm>
+              <a:off x="10029" y="4491"/>
+              <a:ext cx="2054" cy="924"/>
+            </a:xfrm>
+            <a:prstGeom prst="roundRect">
+              <a:avLst/>
+            </a:prstGeom>
+            <a:solidFill>
+              <a:srgbClr val="FCB738"/>
+            </a:solidFill>
+            <a:ln>
+              <a:noFill/>
+            </a:ln>
+          </p:spPr>
+          <p:style>
+            <a:lnRef idx="2">
+              <a:schemeClr val="accent1">
+                <a:shade val="50000"/>
+              </a:schemeClr>
+            </a:lnRef>
+            <a:fillRef idx="1">
+              <a:schemeClr val="accent1"/>
+            </a:fillRef>
+            <a:effectRef idx="0">
+              <a:schemeClr val="accent1"/>
+            </a:effectRef>
+            <a:fontRef idx="minor">
+              <a:schemeClr val="lt1"/>
+            </a:fontRef>
+          </p:style>
+          <p:txBody>
+            <a:bodyPr rtlCol="0" anchor="ctr"/>
+            <a:p>
+              <a:pPr algn="ctr"/>
+              <a:r>
+                <a:rPr lang="en-US" altLang="zh-CN"/>
+                <a:t>View2</a:t>
               </a:r>
               <a:endParaRPr lang="en-US" altLang="zh-CN"/>
             </a:p>
@@ -2832,34 +2783,34 @@
         </p:sp>
         <p:grpSp>
           <p:nvGrpSpPr>
-            <p:cNvPr id="27" name="组合 26"/>
+            <p:cNvPr id="31" name="组合 30"/>
             <p:cNvGrpSpPr/>
             <p:nvPr/>
           </p:nvGrpSpPr>
           <p:grpSpPr>
             <a:xfrm>
-              <a:off x="2828" y="8172"/>
-              <a:ext cx="2460" cy="924"/>
-              <a:chOff x="2828" y="8172"/>
-              <a:chExt cx="2460" cy="924"/>
+              <a:off x="2828" y="6414"/>
+              <a:ext cx="2460" cy="2682"/>
+              <a:chOff x="2828" y="6414"/>
+              <a:chExt cx="2460" cy="2682"/>
             </a:xfrm>
           </p:grpSpPr>
           <p:sp>
             <p:nvSpPr>
-              <p:cNvPr id="18" name="圆角矩形 17"/>
+              <p:cNvPr id="5" name="圆角矩形 4"/>
               <p:cNvSpPr/>
               <p:nvPr/>
             </p:nvSpPr>
             <p:spPr>
               <a:xfrm>
-                <a:off x="2828" y="8172"/>
-                <a:ext cx="1140" cy="924"/>
+                <a:off x="2916" y="6414"/>
+                <a:ext cx="2284" cy="924"/>
               </a:xfrm>
               <a:prstGeom prst="roundRect">
                 <a:avLst/>
               </a:prstGeom>
               <a:solidFill>
-                <a:srgbClr val="3AB88B"/>
+                <a:srgbClr val="DA5961"/>
               </a:solidFill>
               <a:ln>
                 <a:noFill/>
@@ -2887,28 +2838,156 @@
                 <a:pPr algn="ctr"/>
                 <a:r>
                   <a:rPr lang="en-US" altLang="zh-CN"/>
-                  <a:t>C1</a:t>
+                  <a:t>Section1</a:t>
                 </a:r>
                 <a:endParaRPr lang="en-US" altLang="zh-CN"/>
               </a:p>
             </p:txBody>
           </p:sp>
+          <p:grpSp>
+            <p:nvGrpSpPr>
+              <p:cNvPr id="27" name="组合 26"/>
+              <p:cNvGrpSpPr/>
+              <p:nvPr/>
+            </p:nvGrpSpPr>
+            <p:grpSpPr>
+              <a:xfrm>
+                <a:off x="2828" y="8172"/>
+                <a:ext cx="2460" cy="924"/>
+                <a:chOff x="2828" y="8172"/>
+                <a:chExt cx="2460" cy="924"/>
+              </a:xfrm>
+            </p:grpSpPr>
+            <p:sp>
+              <p:nvSpPr>
+                <p:cNvPr id="18" name="圆角矩形 17"/>
+                <p:cNvSpPr/>
+                <p:nvPr/>
+              </p:nvSpPr>
+              <p:spPr>
+                <a:xfrm>
+                  <a:off x="2828" y="8172"/>
+                  <a:ext cx="1140" cy="924"/>
+                </a:xfrm>
+                <a:prstGeom prst="roundRect">
+                  <a:avLst/>
+                </a:prstGeom>
+                <a:solidFill>
+                  <a:srgbClr val="3AB88B"/>
+                </a:solidFill>
+                <a:ln>
+                  <a:noFill/>
+                </a:ln>
+              </p:spPr>
+              <p:style>
+                <a:lnRef idx="2">
+                  <a:schemeClr val="accent1">
+                    <a:shade val="50000"/>
+                  </a:schemeClr>
+                </a:lnRef>
+                <a:fillRef idx="1">
+                  <a:schemeClr val="accent1"/>
+                </a:fillRef>
+                <a:effectRef idx="0">
+                  <a:schemeClr val="accent1"/>
+                </a:effectRef>
+                <a:fontRef idx="minor">
+                  <a:schemeClr val="lt1"/>
+                </a:fontRef>
+              </p:style>
+              <p:txBody>
+                <a:bodyPr rtlCol="0" anchor="ctr"/>
+                <a:p>
+                  <a:pPr algn="ctr"/>
+                  <a:r>
+                    <a:rPr lang="en-US" altLang="zh-CN"/>
+                    <a:t>C1</a:t>
+                  </a:r>
+                  <a:endParaRPr lang="en-US" altLang="zh-CN"/>
+                </a:p>
+              </p:txBody>
+            </p:sp>
+            <p:sp>
+              <p:nvSpPr>
+                <p:cNvPr id="20" name="圆角矩形 19"/>
+                <p:cNvSpPr/>
+                <p:nvPr/>
+              </p:nvSpPr>
+              <p:spPr>
+                <a:xfrm>
+                  <a:off x="4148" y="8172"/>
+                  <a:ext cx="1140" cy="924"/>
+                </a:xfrm>
+                <a:prstGeom prst="roundRect">
+                  <a:avLst/>
+                </a:prstGeom>
+                <a:solidFill>
+                  <a:srgbClr val="3AB88B"/>
+                </a:solidFill>
+                <a:ln>
+                  <a:noFill/>
+                </a:ln>
+              </p:spPr>
+              <p:style>
+                <a:lnRef idx="2">
+                  <a:schemeClr val="accent1">
+                    <a:shade val="50000"/>
+                  </a:schemeClr>
+                </a:lnRef>
+                <a:fillRef idx="1">
+                  <a:schemeClr val="accent1"/>
+                </a:fillRef>
+                <a:effectRef idx="0">
+                  <a:schemeClr val="accent1"/>
+                </a:effectRef>
+                <a:fontRef idx="minor">
+                  <a:schemeClr val="lt1"/>
+                </a:fontRef>
+              </p:style>
+              <p:txBody>
+                <a:bodyPr rtlCol="0" anchor="ctr"/>
+                <a:p>
+                  <a:pPr algn="ctr"/>
+                  <a:r>
+                    <a:rPr lang="en-US" altLang="zh-CN"/>
+                    <a:t>C2</a:t>
+                  </a:r>
+                  <a:endParaRPr lang="en-US" altLang="zh-CN"/>
+                </a:p>
+              </p:txBody>
+            </p:sp>
+          </p:grpSp>
+        </p:grpSp>
+        <p:grpSp>
+          <p:nvGrpSpPr>
+            <p:cNvPr id="32" name="组合 31"/>
+            <p:cNvGrpSpPr/>
+            <p:nvPr/>
+          </p:nvGrpSpPr>
+          <p:grpSpPr>
+            <a:xfrm>
+              <a:off x="5628" y="6414"/>
+              <a:ext cx="2460" cy="2682"/>
+              <a:chOff x="5468" y="6414"/>
+              <a:chExt cx="2460" cy="2682"/>
+            </a:xfrm>
+          </p:grpSpPr>
           <p:sp>
             <p:nvSpPr>
-              <p:cNvPr id="20" name="圆角矩形 19"/>
+              <p:cNvPr id="6" name="圆角矩形 5"/>
               <p:cNvSpPr/>
               <p:nvPr/>
             </p:nvSpPr>
             <p:spPr>
               <a:xfrm>
-                <a:off x="4148" y="8172"/>
-                <a:ext cx="1140" cy="924"/>
+                <a:off x="5556" y="6414"/>
+                <a:ext cx="2284" cy="924"/>
               </a:xfrm>
               <a:prstGeom prst="roundRect">
                 <a:avLst/>
               </a:prstGeom>
               <a:solidFill>
-                <a:srgbClr val="3AB88B"/>
+                <a:srgbClr val="DA5961"/>
               </a:solidFill>
               <a:ln>
                 <a:noFill/>
@@ -2936,107 +3015,156 @@
                 <a:pPr algn="ctr"/>
                 <a:r>
                   <a:rPr lang="en-US" altLang="zh-CN"/>
-                  <a:t>C2</a:t>
+                  <a:t>Section2</a:t>
                 </a:r>
                 <a:endParaRPr lang="en-US" altLang="zh-CN"/>
               </a:p>
             </p:txBody>
           </p:sp>
+          <p:grpSp>
+            <p:nvGrpSpPr>
+              <p:cNvPr id="28" name="组合 27"/>
+              <p:cNvGrpSpPr/>
+              <p:nvPr/>
+            </p:nvGrpSpPr>
+            <p:grpSpPr>
+              <a:xfrm>
+                <a:off x="5468" y="8172"/>
+                <a:ext cx="2460" cy="924"/>
+                <a:chOff x="5468" y="8172"/>
+                <a:chExt cx="2460" cy="924"/>
+              </a:xfrm>
+            </p:grpSpPr>
+            <p:sp>
+              <p:nvSpPr>
+                <p:cNvPr id="21" name="圆角矩形 20"/>
+                <p:cNvSpPr/>
+                <p:nvPr/>
+              </p:nvSpPr>
+              <p:spPr>
+                <a:xfrm>
+                  <a:off x="5468" y="8172"/>
+                  <a:ext cx="1140" cy="924"/>
+                </a:xfrm>
+                <a:prstGeom prst="roundRect">
+                  <a:avLst/>
+                </a:prstGeom>
+                <a:solidFill>
+                  <a:srgbClr val="3AB88B"/>
+                </a:solidFill>
+                <a:ln>
+                  <a:noFill/>
+                </a:ln>
+              </p:spPr>
+              <p:style>
+                <a:lnRef idx="2">
+                  <a:schemeClr val="accent1">
+                    <a:shade val="50000"/>
+                  </a:schemeClr>
+                </a:lnRef>
+                <a:fillRef idx="1">
+                  <a:schemeClr val="accent1"/>
+                </a:fillRef>
+                <a:effectRef idx="0">
+                  <a:schemeClr val="accent1"/>
+                </a:effectRef>
+                <a:fontRef idx="minor">
+                  <a:schemeClr val="lt1"/>
+                </a:fontRef>
+              </p:style>
+              <p:txBody>
+                <a:bodyPr rtlCol="0" anchor="ctr"/>
+                <a:p>
+                  <a:pPr algn="ctr"/>
+                  <a:r>
+                    <a:rPr lang="en-US" altLang="zh-CN"/>
+                    <a:t>C3</a:t>
+                  </a:r>
+                  <a:endParaRPr lang="en-US" altLang="zh-CN"/>
+                </a:p>
+              </p:txBody>
+            </p:sp>
+            <p:sp>
+              <p:nvSpPr>
+                <p:cNvPr id="22" name="圆角矩形 21"/>
+                <p:cNvSpPr/>
+                <p:nvPr/>
+              </p:nvSpPr>
+              <p:spPr>
+                <a:xfrm>
+                  <a:off x="6788" y="8172"/>
+                  <a:ext cx="1140" cy="924"/>
+                </a:xfrm>
+                <a:prstGeom prst="roundRect">
+                  <a:avLst/>
+                </a:prstGeom>
+                <a:solidFill>
+                  <a:srgbClr val="3AB88B"/>
+                </a:solidFill>
+                <a:ln>
+                  <a:noFill/>
+                </a:ln>
+              </p:spPr>
+              <p:style>
+                <a:lnRef idx="2">
+                  <a:schemeClr val="accent1">
+                    <a:shade val="50000"/>
+                  </a:schemeClr>
+                </a:lnRef>
+                <a:fillRef idx="1">
+                  <a:schemeClr val="accent1"/>
+                </a:fillRef>
+                <a:effectRef idx="0">
+                  <a:schemeClr val="accent1"/>
+                </a:effectRef>
+                <a:fontRef idx="minor">
+                  <a:schemeClr val="lt1"/>
+                </a:fontRef>
+              </p:style>
+              <p:txBody>
+                <a:bodyPr rtlCol="0" anchor="ctr"/>
+                <a:p>
+                  <a:pPr algn="ctr"/>
+                  <a:r>
+                    <a:rPr lang="en-US" altLang="zh-CN"/>
+                    <a:t>C4</a:t>
+                  </a:r>
+                  <a:endParaRPr lang="en-US" altLang="zh-CN"/>
+                </a:p>
+              </p:txBody>
+            </p:sp>
+          </p:grpSp>
         </p:grpSp>
-      </p:grpSp>
-      <p:grpSp>
-        <p:nvGrpSpPr>
-          <p:cNvPr id="32" name="组合 31"/>
-          <p:cNvGrpSpPr/>
-          <p:nvPr/>
-        </p:nvGrpSpPr>
-        <p:grpSpPr>
-          <a:xfrm>
-            <a:off x="3573780" y="4072890"/>
-            <a:ext cx="1562100" cy="1703070"/>
-            <a:chOff x="5468" y="6414"/>
-            <a:chExt cx="2460" cy="2682"/>
-          </a:xfrm>
-        </p:grpSpPr>
-        <p:sp>
-          <p:nvSpPr>
-            <p:cNvPr id="6" name="圆角矩形 5"/>
-            <p:cNvSpPr/>
-            <p:nvPr/>
-          </p:nvSpPr>
-          <p:spPr>
-            <a:xfrm>
-              <a:off x="5556" y="6414"/>
-              <a:ext cx="2284" cy="924"/>
-            </a:xfrm>
-            <a:prstGeom prst="roundRect">
-              <a:avLst/>
-            </a:prstGeom>
-            <a:solidFill>
-              <a:srgbClr val="DA5961"/>
-            </a:solidFill>
-            <a:ln>
-              <a:noFill/>
-            </a:ln>
-          </p:spPr>
-          <p:style>
-            <a:lnRef idx="2">
-              <a:schemeClr val="accent1">
-                <a:shade val="50000"/>
-              </a:schemeClr>
-            </a:lnRef>
-            <a:fillRef idx="1">
-              <a:schemeClr val="accent1"/>
-            </a:fillRef>
-            <a:effectRef idx="0">
-              <a:schemeClr val="accent1"/>
-            </a:effectRef>
-            <a:fontRef idx="minor">
-              <a:schemeClr val="lt1"/>
-            </a:fontRef>
-          </p:style>
-          <p:txBody>
-            <a:bodyPr rtlCol="0" anchor="ctr"/>
-            <a:p>
-              <a:pPr algn="ctr"/>
-              <a:r>
-                <a:rPr lang="en-US" altLang="zh-CN"/>
-                <a:t>Section2</a:t>
-              </a:r>
-              <a:endParaRPr lang="en-US" altLang="zh-CN"/>
-            </a:p>
-          </p:txBody>
-        </p:sp>
         <p:grpSp>
           <p:nvGrpSpPr>
-            <p:cNvPr id="28" name="组合 27"/>
+            <p:cNvPr id="33" name="组合 32"/>
             <p:cNvGrpSpPr/>
             <p:nvPr/>
           </p:nvGrpSpPr>
           <p:grpSpPr>
             <a:xfrm>
-              <a:off x="5468" y="8172"/>
-              <a:ext cx="2460" cy="924"/>
-              <a:chOff x="5468" y="8172"/>
-              <a:chExt cx="2460" cy="924"/>
+              <a:off x="8426" y="6414"/>
+              <a:ext cx="2460" cy="2682"/>
+              <a:chOff x="8108" y="6414"/>
+              <a:chExt cx="2460" cy="2682"/>
             </a:xfrm>
           </p:grpSpPr>
           <p:sp>
             <p:nvSpPr>
-              <p:cNvPr id="21" name="圆角矩形 20"/>
+              <p:cNvPr id="8" name="圆角矩形 7"/>
               <p:cNvSpPr/>
               <p:nvPr/>
             </p:nvSpPr>
             <p:spPr>
               <a:xfrm>
-                <a:off x="5468" y="8172"/>
-                <a:ext cx="1140" cy="924"/>
+                <a:off x="8196" y="6414"/>
+                <a:ext cx="2284" cy="924"/>
               </a:xfrm>
               <a:prstGeom prst="roundRect">
                 <a:avLst/>
               </a:prstGeom>
               <a:solidFill>
-                <a:srgbClr val="3AB88B"/>
+                <a:srgbClr val="DA5961"/>
               </a:solidFill>
               <a:ln>
                 <a:noFill/>
@@ -3064,28 +3192,156 @@
                 <a:pPr algn="ctr"/>
                 <a:r>
                   <a:rPr lang="en-US" altLang="zh-CN"/>
-                  <a:t>C3</a:t>
+                  <a:t>Section3</a:t>
                 </a:r>
                 <a:endParaRPr lang="en-US" altLang="zh-CN"/>
               </a:p>
             </p:txBody>
           </p:sp>
+          <p:grpSp>
+            <p:nvGrpSpPr>
+              <p:cNvPr id="29" name="组合 28"/>
+              <p:cNvGrpSpPr/>
+              <p:nvPr/>
+            </p:nvGrpSpPr>
+            <p:grpSpPr>
+              <a:xfrm>
+                <a:off x="8108" y="8172"/>
+                <a:ext cx="2460" cy="924"/>
+                <a:chOff x="8108" y="8172"/>
+                <a:chExt cx="2460" cy="924"/>
+              </a:xfrm>
+            </p:grpSpPr>
+            <p:sp>
+              <p:nvSpPr>
+                <p:cNvPr id="23" name="圆角矩形 22"/>
+                <p:cNvSpPr/>
+                <p:nvPr/>
+              </p:nvSpPr>
+              <p:spPr>
+                <a:xfrm>
+                  <a:off x="8108" y="8172"/>
+                  <a:ext cx="1140" cy="924"/>
+                </a:xfrm>
+                <a:prstGeom prst="roundRect">
+                  <a:avLst/>
+                </a:prstGeom>
+                <a:solidFill>
+                  <a:srgbClr val="3AB88B"/>
+                </a:solidFill>
+                <a:ln>
+                  <a:noFill/>
+                </a:ln>
+              </p:spPr>
+              <p:style>
+                <a:lnRef idx="2">
+                  <a:schemeClr val="accent1">
+                    <a:shade val="50000"/>
+                  </a:schemeClr>
+                </a:lnRef>
+                <a:fillRef idx="1">
+                  <a:schemeClr val="accent1"/>
+                </a:fillRef>
+                <a:effectRef idx="0">
+                  <a:schemeClr val="accent1"/>
+                </a:effectRef>
+                <a:fontRef idx="minor">
+                  <a:schemeClr val="lt1"/>
+                </a:fontRef>
+              </p:style>
+              <p:txBody>
+                <a:bodyPr rtlCol="0" anchor="ctr"/>
+                <a:p>
+                  <a:pPr algn="ctr"/>
+                  <a:r>
+                    <a:rPr lang="en-US" altLang="zh-CN"/>
+                    <a:t>C5</a:t>
+                  </a:r>
+                  <a:endParaRPr lang="en-US" altLang="zh-CN"/>
+                </a:p>
+              </p:txBody>
+            </p:sp>
+            <p:sp>
+              <p:nvSpPr>
+                <p:cNvPr id="24" name="圆角矩形 23"/>
+                <p:cNvSpPr/>
+                <p:nvPr/>
+              </p:nvSpPr>
+              <p:spPr>
+                <a:xfrm>
+                  <a:off x="9428" y="8172"/>
+                  <a:ext cx="1140" cy="924"/>
+                </a:xfrm>
+                <a:prstGeom prst="roundRect">
+                  <a:avLst/>
+                </a:prstGeom>
+                <a:solidFill>
+                  <a:srgbClr val="3AB88B"/>
+                </a:solidFill>
+                <a:ln>
+                  <a:noFill/>
+                </a:ln>
+              </p:spPr>
+              <p:style>
+                <a:lnRef idx="2">
+                  <a:schemeClr val="accent1">
+                    <a:shade val="50000"/>
+                  </a:schemeClr>
+                </a:lnRef>
+                <a:fillRef idx="1">
+                  <a:schemeClr val="accent1"/>
+                </a:fillRef>
+                <a:effectRef idx="0">
+                  <a:schemeClr val="accent1"/>
+                </a:effectRef>
+                <a:fontRef idx="minor">
+                  <a:schemeClr val="lt1"/>
+                </a:fontRef>
+              </p:style>
+              <p:txBody>
+                <a:bodyPr rtlCol="0" anchor="ctr"/>
+                <a:p>
+                  <a:pPr algn="ctr"/>
+                  <a:r>
+                    <a:rPr lang="en-US" altLang="zh-CN"/>
+                    <a:t>C6</a:t>
+                  </a:r>
+                  <a:endParaRPr lang="en-US" altLang="zh-CN"/>
+                </a:p>
+              </p:txBody>
+            </p:sp>
+          </p:grpSp>
+        </p:grpSp>
+        <p:grpSp>
+          <p:nvGrpSpPr>
+            <p:cNvPr id="34" name="组合 33"/>
+            <p:cNvGrpSpPr/>
+            <p:nvPr/>
+          </p:nvGrpSpPr>
+          <p:grpSpPr>
+            <a:xfrm>
+              <a:off x="11226" y="6414"/>
+              <a:ext cx="2460" cy="2682"/>
+              <a:chOff x="10748" y="6414"/>
+              <a:chExt cx="2460" cy="2682"/>
+            </a:xfrm>
+          </p:grpSpPr>
           <p:sp>
             <p:nvSpPr>
-              <p:cNvPr id="22" name="圆角矩形 21"/>
+              <p:cNvPr id="7" name="圆角矩形 6"/>
               <p:cNvSpPr/>
               <p:nvPr/>
             </p:nvSpPr>
             <p:spPr>
               <a:xfrm>
-                <a:off x="6788" y="8172"/>
-                <a:ext cx="1140" cy="924"/>
+                <a:off x="10836" y="6414"/>
+                <a:ext cx="2284" cy="924"/>
               </a:xfrm>
               <a:prstGeom prst="roundRect">
                 <a:avLst/>
               </a:prstGeom>
               <a:solidFill>
-                <a:srgbClr val="3AB88B"/>
+                <a:srgbClr val="DA5961"/>
               </a:solidFill>
               <a:ln>
                 <a:noFill/>
@@ -3113,394 +3369,750 @@
                 <a:pPr algn="ctr"/>
                 <a:r>
                   <a:rPr lang="en-US" altLang="zh-CN"/>
-                  <a:t>C4</a:t>
+                  <a:t>Section4</a:t>
                 </a:r>
                 <a:endParaRPr lang="en-US" altLang="zh-CN"/>
               </a:p>
             </p:txBody>
           </p:sp>
+          <p:grpSp>
+            <p:nvGrpSpPr>
+              <p:cNvPr id="30" name="组合 29"/>
+              <p:cNvGrpSpPr/>
+              <p:nvPr/>
+            </p:nvGrpSpPr>
+            <p:grpSpPr>
+              <a:xfrm>
+                <a:off x="10748" y="8172"/>
+                <a:ext cx="2460" cy="924"/>
+                <a:chOff x="10748" y="8172"/>
+                <a:chExt cx="2460" cy="924"/>
+              </a:xfrm>
+            </p:grpSpPr>
+            <p:sp>
+              <p:nvSpPr>
+                <p:cNvPr id="25" name="圆角矩形 24"/>
+                <p:cNvSpPr/>
+                <p:nvPr/>
+              </p:nvSpPr>
+              <p:spPr>
+                <a:xfrm>
+                  <a:off x="10748" y="8172"/>
+                  <a:ext cx="1140" cy="924"/>
+                </a:xfrm>
+                <a:prstGeom prst="roundRect">
+                  <a:avLst/>
+                </a:prstGeom>
+                <a:solidFill>
+                  <a:srgbClr val="3AB88B"/>
+                </a:solidFill>
+                <a:ln>
+                  <a:noFill/>
+                </a:ln>
+              </p:spPr>
+              <p:style>
+                <a:lnRef idx="2">
+                  <a:schemeClr val="accent1">
+                    <a:shade val="50000"/>
+                  </a:schemeClr>
+                </a:lnRef>
+                <a:fillRef idx="1">
+                  <a:schemeClr val="accent1"/>
+                </a:fillRef>
+                <a:effectRef idx="0">
+                  <a:schemeClr val="accent1"/>
+                </a:effectRef>
+                <a:fontRef idx="minor">
+                  <a:schemeClr val="lt1"/>
+                </a:fontRef>
+              </p:style>
+              <p:txBody>
+                <a:bodyPr rtlCol="0" anchor="ctr"/>
+                <a:p>
+                  <a:pPr algn="ctr"/>
+                  <a:r>
+                    <a:rPr lang="en-US" altLang="zh-CN"/>
+                    <a:t>C7</a:t>
+                  </a:r>
+                  <a:endParaRPr lang="en-US" altLang="zh-CN"/>
+                </a:p>
+              </p:txBody>
+            </p:sp>
+            <p:sp>
+              <p:nvSpPr>
+                <p:cNvPr id="26" name="圆角矩形 25"/>
+                <p:cNvSpPr/>
+                <p:nvPr/>
+              </p:nvSpPr>
+              <p:spPr>
+                <a:xfrm>
+                  <a:off x="12068" y="8172"/>
+                  <a:ext cx="1140" cy="924"/>
+                </a:xfrm>
+                <a:prstGeom prst="roundRect">
+                  <a:avLst/>
+                </a:prstGeom>
+                <a:solidFill>
+                  <a:srgbClr val="3AB88B"/>
+                </a:solidFill>
+                <a:ln>
+                  <a:noFill/>
+                </a:ln>
+              </p:spPr>
+              <p:style>
+                <a:lnRef idx="2">
+                  <a:schemeClr val="accent1">
+                    <a:shade val="50000"/>
+                  </a:schemeClr>
+                </a:lnRef>
+                <a:fillRef idx="1">
+                  <a:schemeClr val="accent1"/>
+                </a:fillRef>
+                <a:effectRef idx="0">
+                  <a:schemeClr val="accent1"/>
+                </a:effectRef>
+                <a:fontRef idx="minor">
+                  <a:schemeClr val="lt1"/>
+                </a:fontRef>
+              </p:style>
+              <p:txBody>
+                <a:bodyPr rtlCol="0" anchor="ctr"/>
+                <a:p>
+                  <a:pPr algn="ctr"/>
+                  <a:r>
+                    <a:rPr lang="en-US" altLang="zh-CN"/>
+                    <a:t>C8</a:t>
+                  </a:r>
+                  <a:endParaRPr lang="en-US" altLang="zh-CN"/>
+                </a:p>
+              </p:txBody>
+            </p:sp>
+          </p:grpSp>
         </p:grpSp>
-      </p:grpSp>
-      <p:grpSp>
-        <p:nvGrpSpPr>
-          <p:cNvPr id="33" name="组合 32"/>
-          <p:cNvGrpSpPr/>
-          <p:nvPr/>
-        </p:nvGrpSpPr>
-        <p:grpSpPr>
-          <a:xfrm>
-            <a:off x="5350510" y="4072890"/>
-            <a:ext cx="1562100" cy="1703070"/>
-            <a:chOff x="8108" y="6414"/>
-            <a:chExt cx="2460" cy="2682"/>
-          </a:xfrm>
-        </p:grpSpPr>
-        <p:sp>
-          <p:nvSpPr>
-            <p:cNvPr id="8" name="圆角矩形 7"/>
-            <p:cNvSpPr/>
+        <p:cxnSp>
+          <p:nvCxnSpPr>
+            <p:cNvPr id="35" name="肘形连接符 34"/>
+            <p:cNvCxnSpPr>
+              <a:stCxn id="4" idx="2"/>
+              <a:endCxn id="15" idx="0"/>
+            </p:cNvCxnSpPr>
             <p:nvPr/>
-          </p:nvSpPr>
+          </p:nvCxnSpPr>
           <p:spPr>
-            <a:xfrm>
-              <a:off x="8196" y="6414"/>
-              <a:ext cx="2284" cy="924"/>
+            <a:xfrm rot="5400000">
+              <a:off x="6335" y="2568"/>
+              <a:ext cx="1045" cy="2799"/>
             </a:xfrm>
-            <a:prstGeom prst="roundRect">
-              <a:avLst/>
+            <a:prstGeom prst="bentConnector3">
+              <a:avLst>
+                <a:gd name="adj1" fmla="val 50048"/>
+              </a:avLst>
             </a:prstGeom>
-            <a:solidFill>
-              <a:srgbClr val="DA5961"/>
-            </a:solidFill>
-            <a:ln>
-              <a:noFill/>
+            <a:ln w="19050">
+              <a:solidFill>
+                <a:schemeClr val="bg1">
+                  <a:lumMod val="75000"/>
+                </a:schemeClr>
+              </a:solidFill>
+              <a:tailEnd type="arrow"/>
             </a:ln>
           </p:spPr>
           <p:style>
-            <a:lnRef idx="2">
-              <a:schemeClr val="accent1">
-                <a:shade val="50000"/>
-              </a:schemeClr>
+            <a:lnRef idx="1">
+              <a:schemeClr val="accent1"/>
             </a:lnRef>
-            <a:fillRef idx="1">
+            <a:fillRef idx="0">
               <a:schemeClr val="accent1"/>
             </a:fillRef>
             <a:effectRef idx="0">
               <a:schemeClr val="accent1"/>
             </a:effectRef>
             <a:fontRef idx="minor">
-              <a:schemeClr val="lt1"/>
+              <a:schemeClr val="tx1"/>
             </a:fontRef>
           </p:style>
-          <p:txBody>
-            <a:bodyPr rtlCol="0" anchor="ctr"/>
-            <a:p>
-              <a:pPr algn="ctr"/>
-              <a:r>
-                <a:rPr lang="en-US" altLang="zh-CN"/>
-                <a:t>Section3</a:t>
-              </a:r>
-              <a:endParaRPr lang="en-US" altLang="zh-CN"/>
-            </a:p>
-          </p:txBody>
-        </p:sp>
-        <p:grpSp>
-          <p:nvGrpSpPr>
-            <p:cNvPr id="29" name="组合 28"/>
-            <p:cNvGrpSpPr/>
+        </p:cxnSp>
+        <p:cxnSp>
+          <p:nvCxnSpPr>
+            <p:cNvPr id="36" name="肘形连接符 35"/>
+            <p:cNvCxnSpPr>
+              <a:stCxn id="4" idx="2"/>
+              <a:endCxn id="16" idx="0"/>
+            </p:cNvCxnSpPr>
             <p:nvPr/>
-          </p:nvGrpSpPr>
-          <p:grpSpPr>
-            <a:xfrm>
-              <a:off x="8108" y="8172"/>
-              <a:ext cx="2460" cy="924"/>
-              <a:chOff x="8108" y="8172"/>
-              <a:chExt cx="2460" cy="924"/>
+          </p:nvCxnSpPr>
+          <p:spPr>
+            <a:xfrm rot="5400000" flipV="1">
+              <a:off x="9134" y="2568"/>
+              <a:ext cx="1045" cy="2799"/>
             </a:xfrm>
-          </p:grpSpPr>
-          <p:sp>
-            <p:nvSpPr>
-              <p:cNvPr id="23" name="圆角矩形 22"/>
-              <p:cNvSpPr/>
-              <p:nvPr/>
-            </p:nvSpPr>
-            <p:spPr>
-              <a:xfrm>
-                <a:off x="8108" y="8172"/>
-                <a:ext cx="1140" cy="924"/>
-              </a:xfrm>
-              <a:prstGeom prst="roundRect">
-                <a:avLst/>
-              </a:prstGeom>
+            <a:prstGeom prst="bentConnector3">
+              <a:avLst>
+                <a:gd name="adj1" fmla="val 50048"/>
+              </a:avLst>
+            </a:prstGeom>
+            <a:ln w="19050">
               <a:solidFill>
-                <a:srgbClr val="3AB88B"/>
+                <a:schemeClr val="bg1">
+                  <a:lumMod val="75000"/>
+                </a:schemeClr>
               </a:solidFill>
-              <a:ln>
-                <a:noFill/>
-              </a:ln>
-            </p:spPr>
-            <p:style>
-              <a:lnRef idx="2">
-                <a:schemeClr val="accent1">
-                  <a:shade val="50000"/>
-                </a:schemeClr>
-              </a:lnRef>
-              <a:fillRef idx="1">
-                <a:schemeClr val="accent1"/>
-              </a:fillRef>
-              <a:effectRef idx="0">
-                <a:schemeClr val="accent1"/>
-              </a:effectRef>
-              <a:fontRef idx="minor">
-                <a:schemeClr val="lt1"/>
-              </a:fontRef>
-            </p:style>
-            <p:txBody>
-              <a:bodyPr rtlCol="0" anchor="ctr"/>
-              <a:p>
-                <a:pPr algn="ctr"/>
-                <a:r>
-                  <a:rPr lang="en-US" altLang="zh-CN"/>
-                  <a:t>C5</a:t>
-                </a:r>
-                <a:endParaRPr lang="en-US" altLang="zh-CN"/>
-              </a:p>
-            </p:txBody>
-          </p:sp>
-          <p:sp>
-            <p:nvSpPr>
-              <p:cNvPr id="24" name="圆角矩形 23"/>
-              <p:cNvSpPr/>
-              <p:nvPr/>
-            </p:nvSpPr>
-            <p:spPr>
-              <a:xfrm>
-                <a:off x="9428" y="8172"/>
-                <a:ext cx="1140" cy="924"/>
-              </a:xfrm>
-              <a:prstGeom prst="roundRect">
-                <a:avLst/>
-              </a:prstGeom>
-              <a:solidFill>
-                <a:srgbClr val="3AB88B"/>
-              </a:solidFill>
-              <a:ln>
-                <a:noFill/>
-              </a:ln>
-            </p:spPr>
-            <p:style>
-              <a:lnRef idx="2">
-                <a:schemeClr val="accent1">
-                  <a:shade val="50000"/>
-                </a:schemeClr>
-              </a:lnRef>
-              <a:fillRef idx="1">
-                <a:schemeClr val="accent1"/>
-              </a:fillRef>
-              <a:effectRef idx="0">
-                <a:schemeClr val="accent1"/>
-              </a:effectRef>
-              <a:fontRef idx="minor">
-                <a:schemeClr val="lt1"/>
-              </a:fontRef>
-            </p:style>
-            <p:txBody>
-              <a:bodyPr rtlCol="0" anchor="ctr"/>
-              <a:p>
-                <a:pPr algn="ctr"/>
-                <a:r>
-                  <a:rPr lang="en-US" altLang="zh-CN"/>
-                  <a:t>C6</a:t>
-                </a:r>
-                <a:endParaRPr lang="en-US" altLang="zh-CN"/>
-              </a:p>
-            </p:txBody>
-          </p:sp>
-        </p:grpSp>
-      </p:grpSp>
-      <p:grpSp>
-        <p:nvGrpSpPr>
-          <p:cNvPr id="34" name="组合 33"/>
-          <p:cNvGrpSpPr/>
-          <p:nvPr/>
-        </p:nvGrpSpPr>
-        <p:grpSpPr>
-          <a:xfrm>
-            <a:off x="7128510" y="4072890"/>
-            <a:ext cx="1562100" cy="1703070"/>
-            <a:chOff x="10748" y="6414"/>
-            <a:chExt cx="2460" cy="2682"/>
-          </a:xfrm>
-        </p:grpSpPr>
-        <p:sp>
-          <p:nvSpPr>
-            <p:cNvPr id="7" name="圆角矩形 6"/>
-            <p:cNvSpPr/>
-            <p:nvPr/>
-          </p:nvSpPr>
-          <p:spPr>
-            <a:xfrm>
-              <a:off x="10836" y="6414"/>
-              <a:ext cx="2284" cy="924"/>
-            </a:xfrm>
-            <a:prstGeom prst="roundRect">
-              <a:avLst/>
-            </a:prstGeom>
-            <a:solidFill>
-              <a:srgbClr val="DA5961"/>
-            </a:solidFill>
-            <a:ln>
-              <a:noFill/>
+              <a:tailEnd type="arrow"/>
             </a:ln>
           </p:spPr>
           <p:style>
-            <a:lnRef idx="2">
-              <a:schemeClr val="accent1">
-                <a:shade val="50000"/>
-              </a:schemeClr>
+            <a:lnRef idx="1">
+              <a:schemeClr val="accent1"/>
             </a:lnRef>
-            <a:fillRef idx="1">
+            <a:fillRef idx="0">
               <a:schemeClr val="accent1"/>
             </a:fillRef>
             <a:effectRef idx="0">
               <a:schemeClr val="accent1"/>
             </a:effectRef>
             <a:fontRef idx="minor">
-              <a:schemeClr val="lt1"/>
+              <a:schemeClr val="tx1"/>
             </a:fontRef>
           </p:style>
-          <p:txBody>
-            <a:bodyPr rtlCol="0" anchor="ctr"/>
-            <a:p>
-              <a:pPr algn="ctr"/>
-              <a:r>
-                <a:rPr lang="en-US" altLang="zh-CN"/>
-                <a:t>Section4</a:t>
-              </a:r>
-              <a:endParaRPr lang="en-US" altLang="zh-CN"/>
-            </a:p>
-          </p:txBody>
-        </p:sp>
-        <p:grpSp>
-          <p:nvGrpSpPr>
-            <p:cNvPr id="30" name="组合 29"/>
-            <p:cNvGrpSpPr/>
+        </p:cxnSp>
+        <p:cxnSp>
+          <p:nvCxnSpPr>
+            <p:cNvPr id="37" name="肘形连接符 36"/>
+            <p:cNvCxnSpPr>
+              <a:stCxn id="15" idx="2"/>
+              <a:endCxn id="5" idx="0"/>
+            </p:cNvCxnSpPr>
             <p:nvPr/>
-          </p:nvGrpSpPr>
-          <p:grpSpPr>
-            <a:xfrm>
-              <a:off x="10748" y="8172"/>
-              <a:ext cx="2460" cy="924"/>
-              <a:chOff x="10748" y="8172"/>
-              <a:chExt cx="2460" cy="924"/>
+          </p:nvCxnSpPr>
+          <p:spPr>
+            <a:xfrm rot="5400000">
+              <a:off x="4259" y="5214"/>
+              <a:ext cx="999" cy="1400"/>
             </a:xfrm>
-          </p:grpSpPr>
-          <p:sp>
-            <p:nvSpPr>
-              <p:cNvPr id="25" name="圆角矩形 24"/>
-              <p:cNvSpPr/>
-              <p:nvPr/>
-            </p:nvSpPr>
-            <p:spPr>
-              <a:xfrm>
-                <a:off x="10748" y="8172"/>
-                <a:ext cx="1140" cy="924"/>
-              </a:xfrm>
-              <a:prstGeom prst="roundRect">
-                <a:avLst/>
-              </a:prstGeom>
+            <a:prstGeom prst="bentConnector3">
+              <a:avLst>
+                <a:gd name="adj1" fmla="val 50000"/>
+              </a:avLst>
+            </a:prstGeom>
+            <a:ln w="19050">
               <a:solidFill>
-                <a:srgbClr val="3AB88B"/>
+                <a:schemeClr val="bg1">
+                  <a:lumMod val="75000"/>
+                </a:schemeClr>
               </a:solidFill>
-              <a:ln>
-                <a:noFill/>
-              </a:ln>
-            </p:spPr>
-            <p:style>
-              <a:lnRef idx="2">
-                <a:schemeClr val="accent1">
-                  <a:shade val="50000"/>
+              <a:tailEnd type="arrow"/>
+            </a:ln>
+          </p:spPr>
+          <p:style>
+            <a:lnRef idx="1">
+              <a:schemeClr val="accent1"/>
+            </a:lnRef>
+            <a:fillRef idx="0">
+              <a:schemeClr val="accent1"/>
+            </a:fillRef>
+            <a:effectRef idx="0">
+              <a:schemeClr val="accent1"/>
+            </a:effectRef>
+            <a:fontRef idx="minor">
+              <a:schemeClr val="tx1"/>
+            </a:fontRef>
+          </p:style>
+        </p:cxnSp>
+        <p:cxnSp>
+          <p:nvCxnSpPr>
+            <p:cNvPr id="38" name="肘形连接符 37"/>
+            <p:cNvCxnSpPr>
+              <a:stCxn id="15" idx="2"/>
+              <a:endCxn id="6" idx="0"/>
+            </p:cNvCxnSpPr>
+            <p:nvPr/>
+          </p:nvCxnSpPr>
+          <p:spPr>
+            <a:xfrm rot="5400000" flipV="1">
+              <a:off x="5659" y="5214"/>
+              <a:ext cx="999" cy="1400"/>
+            </a:xfrm>
+            <a:prstGeom prst="bentConnector3">
+              <a:avLst>
+                <a:gd name="adj1" fmla="val 50000"/>
+              </a:avLst>
+            </a:prstGeom>
+            <a:ln w="19050">
+              <a:solidFill>
+                <a:schemeClr val="bg1">
+                  <a:lumMod val="75000"/>
                 </a:schemeClr>
-              </a:lnRef>
-              <a:fillRef idx="1">
-                <a:schemeClr val="accent1"/>
-              </a:fillRef>
-              <a:effectRef idx="0">
-                <a:schemeClr val="accent1"/>
-              </a:effectRef>
-              <a:fontRef idx="minor">
-                <a:schemeClr val="lt1"/>
-              </a:fontRef>
-            </p:style>
-            <p:txBody>
-              <a:bodyPr rtlCol="0" anchor="ctr"/>
-              <a:p>
-                <a:pPr algn="ctr"/>
-                <a:r>
-                  <a:rPr lang="en-US" altLang="zh-CN"/>
-                  <a:t>C7</a:t>
-                </a:r>
-                <a:endParaRPr lang="en-US" altLang="zh-CN"/>
-              </a:p>
-            </p:txBody>
-          </p:sp>
-          <p:sp>
-            <p:nvSpPr>
-              <p:cNvPr id="26" name="圆角矩形 25"/>
-              <p:cNvSpPr/>
-              <p:nvPr/>
-            </p:nvSpPr>
-            <p:spPr>
-              <a:xfrm>
-                <a:off x="12068" y="8172"/>
-                <a:ext cx="1140" cy="924"/>
-              </a:xfrm>
-              <a:prstGeom prst="roundRect">
-                <a:avLst/>
-              </a:prstGeom>
+              </a:solidFill>
+              <a:tailEnd type="arrow"/>
+            </a:ln>
+          </p:spPr>
+          <p:style>
+            <a:lnRef idx="1">
+              <a:schemeClr val="accent1"/>
+            </a:lnRef>
+            <a:fillRef idx="0">
+              <a:schemeClr val="accent1"/>
+            </a:fillRef>
+            <a:effectRef idx="0">
+              <a:schemeClr val="accent1"/>
+            </a:effectRef>
+            <a:fontRef idx="minor">
+              <a:schemeClr val="tx1"/>
+            </a:fontRef>
+          </p:style>
+        </p:cxnSp>
+        <p:cxnSp>
+          <p:nvCxnSpPr>
+            <p:cNvPr id="39" name="肘形连接符 38"/>
+            <p:cNvCxnSpPr>
+              <a:stCxn id="16" idx="2"/>
+              <a:endCxn id="8" idx="0"/>
+            </p:cNvCxnSpPr>
+            <p:nvPr/>
+          </p:nvCxnSpPr>
+          <p:spPr>
+            <a:xfrm rot="5400000">
+              <a:off x="9857" y="5214"/>
+              <a:ext cx="999" cy="1400"/>
+            </a:xfrm>
+            <a:prstGeom prst="bentConnector3">
+              <a:avLst>
+                <a:gd name="adj1" fmla="val 50000"/>
+              </a:avLst>
+            </a:prstGeom>
+            <a:ln w="19050">
               <a:solidFill>
-                <a:srgbClr val="3AB88B"/>
+                <a:schemeClr val="bg1">
+                  <a:lumMod val="75000"/>
+                </a:schemeClr>
               </a:solidFill>
-              <a:ln>
-                <a:noFill/>
-              </a:ln>
-            </p:spPr>
-            <p:style>
-              <a:lnRef idx="2">
-                <a:schemeClr val="accent1">
-                  <a:shade val="50000"/>
+              <a:tailEnd type="arrow"/>
+            </a:ln>
+          </p:spPr>
+          <p:style>
+            <a:lnRef idx="1">
+              <a:schemeClr val="accent1"/>
+            </a:lnRef>
+            <a:fillRef idx="0">
+              <a:schemeClr val="accent1"/>
+            </a:fillRef>
+            <a:effectRef idx="0">
+              <a:schemeClr val="accent1"/>
+            </a:effectRef>
+            <a:fontRef idx="minor">
+              <a:schemeClr val="tx1"/>
+            </a:fontRef>
+          </p:style>
+        </p:cxnSp>
+        <p:cxnSp>
+          <p:nvCxnSpPr>
+            <p:cNvPr id="40" name="肘形连接符 39"/>
+            <p:cNvCxnSpPr>
+              <a:stCxn id="16" idx="2"/>
+              <a:endCxn id="7" idx="0"/>
+            </p:cNvCxnSpPr>
+            <p:nvPr/>
+          </p:nvCxnSpPr>
+          <p:spPr>
+            <a:xfrm rot="5400000" flipV="1">
+              <a:off x="11257" y="5214"/>
+              <a:ext cx="999" cy="1400"/>
+            </a:xfrm>
+            <a:prstGeom prst="bentConnector3">
+              <a:avLst>
+                <a:gd name="adj1" fmla="val 50000"/>
+              </a:avLst>
+            </a:prstGeom>
+            <a:ln w="19050">
+              <a:solidFill>
+                <a:schemeClr val="bg1">
+                  <a:lumMod val="75000"/>
                 </a:schemeClr>
-              </a:lnRef>
-              <a:fillRef idx="1">
-                <a:schemeClr val="accent1"/>
-              </a:fillRef>
-              <a:effectRef idx="0">
-                <a:schemeClr val="accent1"/>
-              </a:effectRef>
-              <a:fontRef idx="minor">
-                <a:schemeClr val="lt1"/>
-              </a:fontRef>
-            </p:style>
-            <p:txBody>
-              <a:bodyPr rtlCol="0" anchor="ctr"/>
-              <a:p>
-                <a:pPr algn="ctr"/>
-                <a:r>
-                  <a:rPr lang="en-US" altLang="zh-CN"/>
-                  <a:t>C8</a:t>
-                </a:r>
-                <a:endParaRPr lang="en-US" altLang="zh-CN"/>
-              </a:p>
-            </p:txBody>
-          </p:sp>
-        </p:grpSp>
+              </a:solidFill>
+              <a:tailEnd type="arrow"/>
+            </a:ln>
+          </p:spPr>
+          <p:style>
+            <a:lnRef idx="1">
+              <a:schemeClr val="accent1"/>
+            </a:lnRef>
+            <a:fillRef idx="0">
+              <a:schemeClr val="accent1"/>
+            </a:fillRef>
+            <a:effectRef idx="0">
+              <a:schemeClr val="accent1"/>
+            </a:effectRef>
+            <a:fontRef idx="minor">
+              <a:schemeClr val="tx1"/>
+            </a:fontRef>
+          </p:style>
+        </p:cxnSp>
+        <p:cxnSp>
+          <p:nvCxnSpPr>
+            <p:cNvPr id="41" name="肘形连接符 40"/>
+            <p:cNvCxnSpPr>
+              <a:stCxn id="5" idx="2"/>
+              <a:endCxn id="18" idx="0"/>
+            </p:cNvCxnSpPr>
+            <p:nvPr/>
+          </p:nvCxnSpPr>
+          <p:spPr>
+            <a:xfrm rot="5400000">
+              <a:off x="3311" y="7425"/>
+              <a:ext cx="834" cy="660"/>
+            </a:xfrm>
+            <a:prstGeom prst="bentConnector3">
+              <a:avLst>
+                <a:gd name="adj1" fmla="val 50000"/>
+              </a:avLst>
+            </a:prstGeom>
+            <a:ln w="19050">
+              <a:solidFill>
+                <a:schemeClr val="bg1">
+                  <a:lumMod val="75000"/>
+                </a:schemeClr>
+              </a:solidFill>
+              <a:tailEnd type="arrow"/>
+            </a:ln>
+          </p:spPr>
+          <p:style>
+            <a:lnRef idx="1">
+              <a:schemeClr val="accent1"/>
+            </a:lnRef>
+            <a:fillRef idx="0">
+              <a:schemeClr val="accent1"/>
+            </a:fillRef>
+            <a:effectRef idx="0">
+              <a:schemeClr val="accent1"/>
+            </a:effectRef>
+            <a:fontRef idx="minor">
+              <a:schemeClr val="tx1"/>
+            </a:fontRef>
+          </p:style>
+        </p:cxnSp>
+        <p:cxnSp>
+          <p:nvCxnSpPr>
+            <p:cNvPr id="42" name="肘形连接符 41"/>
+            <p:cNvCxnSpPr>
+              <a:stCxn id="5" idx="2"/>
+              <a:endCxn id="20" idx="0"/>
+            </p:cNvCxnSpPr>
+            <p:nvPr/>
+          </p:nvCxnSpPr>
+          <p:spPr>
+            <a:xfrm rot="5400000" flipV="1">
+              <a:off x="3971" y="7425"/>
+              <a:ext cx="834" cy="660"/>
+            </a:xfrm>
+            <a:prstGeom prst="bentConnector3">
+              <a:avLst>
+                <a:gd name="adj1" fmla="val 50000"/>
+              </a:avLst>
+            </a:prstGeom>
+            <a:ln w="19050">
+              <a:solidFill>
+                <a:schemeClr val="bg1">
+                  <a:lumMod val="75000"/>
+                </a:schemeClr>
+              </a:solidFill>
+              <a:tailEnd type="arrow"/>
+            </a:ln>
+          </p:spPr>
+          <p:style>
+            <a:lnRef idx="1">
+              <a:schemeClr val="accent1"/>
+            </a:lnRef>
+            <a:fillRef idx="0">
+              <a:schemeClr val="accent1"/>
+            </a:fillRef>
+            <a:effectRef idx="0">
+              <a:schemeClr val="accent1"/>
+            </a:effectRef>
+            <a:fontRef idx="minor">
+              <a:schemeClr val="tx1"/>
+            </a:fontRef>
+          </p:style>
+        </p:cxnSp>
+        <p:cxnSp>
+          <p:nvCxnSpPr>
+            <p:cNvPr id="43" name="肘形连接符 42"/>
+            <p:cNvCxnSpPr>
+              <a:stCxn id="6" idx="2"/>
+              <a:endCxn id="21" idx="0"/>
+            </p:cNvCxnSpPr>
+            <p:nvPr/>
+          </p:nvCxnSpPr>
+          <p:spPr>
+            <a:xfrm rot="5400000">
+              <a:off x="6111" y="7425"/>
+              <a:ext cx="834" cy="660"/>
+            </a:xfrm>
+            <a:prstGeom prst="bentConnector3">
+              <a:avLst>
+                <a:gd name="adj1" fmla="val 50000"/>
+              </a:avLst>
+            </a:prstGeom>
+            <a:ln w="19050">
+              <a:solidFill>
+                <a:schemeClr val="bg1">
+                  <a:lumMod val="75000"/>
+                </a:schemeClr>
+              </a:solidFill>
+              <a:tailEnd type="arrow"/>
+            </a:ln>
+          </p:spPr>
+          <p:style>
+            <a:lnRef idx="1">
+              <a:schemeClr val="accent1"/>
+            </a:lnRef>
+            <a:fillRef idx="0">
+              <a:schemeClr val="accent1"/>
+            </a:fillRef>
+            <a:effectRef idx="0">
+              <a:schemeClr val="accent1"/>
+            </a:effectRef>
+            <a:fontRef idx="minor">
+              <a:schemeClr val="tx1"/>
+            </a:fontRef>
+          </p:style>
+        </p:cxnSp>
+        <p:cxnSp>
+          <p:nvCxnSpPr>
+            <p:cNvPr id="44" name="肘形连接符 43"/>
+            <p:cNvCxnSpPr>
+              <a:stCxn id="6" idx="2"/>
+              <a:endCxn id="22" idx="0"/>
+            </p:cNvCxnSpPr>
+            <p:nvPr/>
+          </p:nvCxnSpPr>
+          <p:spPr>
+            <a:xfrm rot="5400000" flipV="1">
+              <a:off x="6771" y="7425"/>
+              <a:ext cx="834" cy="660"/>
+            </a:xfrm>
+            <a:prstGeom prst="bentConnector3">
+              <a:avLst>
+                <a:gd name="adj1" fmla="val 50000"/>
+              </a:avLst>
+            </a:prstGeom>
+            <a:ln w="19050">
+              <a:solidFill>
+                <a:schemeClr val="bg1">
+                  <a:lumMod val="75000"/>
+                </a:schemeClr>
+              </a:solidFill>
+              <a:tailEnd type="arrow"/>
+            </a:ln>
+          </p:spPr>
+          <p:style>
+            <a:lnRef idx="1">
+              <a:schemeClr val="accent1"/>
+            </a:lnRef>
+            <a:fillRef idx="0">
+              <a:schemeClr val="accent1"/>
+            </a:fillRef>
+            <a:effectRef idx="0">
+              <a:schemeClr val="accent1"/>
+            </a:effectRef>
+            <a:fontRef idx="minor">
+              <a:schemeClr val="tx1"/>
+            </a:fontRef>
+          </p:style>
+        </p:cxnSp>
+        <p:cxnSp>
+          <p:nvCxnSpPr>
+            <p:cNvPr id="45" name="肘形连接符 44"/>
+            <p:cNvCxnSpPr>
+              <a:stCxn id="8" idx="2"/>
+              <a:endCxn id="23" idx="0"/>
+            </p:cNvCxnSpPr>
+            <p:nvPr/>
+          </p:nvCxnSpPr>
+          <p:spPr>
+            <a:xfrm rot="5400000">
+              <a:off x="8909" y="7425"/>
+              <a:ext cx="834" cy="660"/>
+            </a:xfrm>
+            <a:prstGeom prst="bentConnector3">
+              <a:avLst>
+                <a:gd name="adj1" fmla="val 50000"/>
+              </a:avLst>
+            </a:prstGeom>
+            <a:ln w="19050">
+              <a:solidFill>
+                <a:schemeClr val="bg1">
+                  <a:lumMod val="75000"/>
+                </a:schemeClr>
+              </a:solidFill>
+              <a:tailEnd type="arrow"/>
+            </a:ln>
+          </p:spPr>
+          <p:style>
+            <a:lnRef idx="1">
+              <a:schemeClr val="accent1"/>
+            </a:lnRef>
+            <a:fillRef idx="0">
+              <a:schemeClr val="accent1"/>
+            </a:fillRef>
+            <a:effectRef idx="0">
+              <a:schemeClr val="accent1"/>
+            </a:effectRef>
+            <a:fontRef idx="minor">
+              <a:schemeClr val="tx1"/>
+            </a:fontRef>
+          </p:style>
+        </p:cxnSp>
+        <p:cxnSp>
+          <p:nvCxnSpPr>
+            <p:cNvPr id="47" name="肘形连接符 46"/>
+            <p:cNvCxnSpPr>
+              <a:stCxn id="8" idx="2"/>
+              <a:endCxn id="24" idx="0"/>
+            </p:cNvCxnSpPr>
+            <p:nvPr/>
+          </p:nvCxnSpPr>
+          <p:spPr>
+            <a:xfrm rot="5400000" flipV="1">
+              <a:off x="9569" y="7425"/>
+              <a:ext cx="834" cy="660"/>
+            </a:xfrm>
+            <a:prstGeom prst="bentConnector3">
+              <a:avLst>
+                <a:gd name="adj1" fmla="val 50000"/>
+              </a:avLst>
+            </a:prstGeom>
+            <a:ln w="19050">
+              <a:solidFill>
+                <a:schemeClr val="bg1">
+                  <a:lumMod val="75000"/>
+                </a:schemeClr>
+              </a:solidFill>
+              <a:tailEnd type="arrow"/>
+            </a:ln>
+          </p:spPr>
+          <p:style>
+            <a:lnRef idx="1">
+              <a:schemeClr val="accent1"/>
+            </a:lnRef>
+            <a:fillRef idx="0">
+              <a:schemeClr val="accent1"/>
+            </a:fillRef>
+            <a:effectRef idx="0">
+              <a:schemeClr val="accent1"/>
+            </a:effectRef>
+            <a:fontRef idx="minor">
+              <a:schemeClr val="tx1"/>
+            </a:fontRef>
+          </p:style>
+        </p:cxnSp>
+        <p:cxnSp>
+          <p:nvCxnSpPr>
+            <p:cNvPr id="48" name="肘形连接符 47"/>
+            <p:cNvCxnSpPr>
+              <a:stCxn id="7" idx="2"/>
+              <a:endCxn id="25" idx="0"/>
+            </p:cNvCxnSpPr>
+            <p:nvPr/>
+          </p:nvCxnSpPr>
+          <p:spPr>
+            <a:xfrm rot="5400000">
+              <a:off x="11709" y="7425"/>
+              <a:ext cx="834" cy="660"/>
+            </a:xfrm>
+            <a:prstGeom prst="bentConnector3">
+              <a:avLst>
+                <a:gd name="adj1" fmla="val 50000"/>
+              </a:avLst>
+            </a:prstGeom>
+            <a:ln w="19050">
+              <a:solidFill>
+                <a:schemeClr val="bg1">
+                  <a:lumMod val="75000"/>
+                </a:schemeClr>
+              </a:solidFill>
+              <a:tailEnd type="arrow"/>
+            </a:ln>
+          </p:spPr>
+          <p:style>
+            <a:lnRef idx="1">
+              <a:schemeClr val="accent1"/>
+            </a:lnRef>
+            <a:fillRef idx="0">
+              <a:schemeClr val="accent1"/>
+            </a:fillRef>
+            <a:effectRef idx="0">
+              <a:schemeClr val="accent1"/>
+            </a:effectRef>
+            <a:fontRef idx="minor">
+              <a:schemeClr val="tx1"/>
+            </a:fontRef>
+          </p:style>
+        </p:cxnSp>
+        <p:cxnSp>
+          <p:nvCxnSpPr>
+            <p:cNvPr id="49" name="肘形连接符 48"/>
+            <p:cNvCxnSpPr>
+              <a:stCxn id="7" idx="2"/>
+              <a:endCxn id="26" idx="0"/>
+            </p:cNvCxnSpPr>
+            <p:nvPr/>
+          </p:nvCxnSpPr>
+          <p:spPr>
+            <a:xfrm rot="5400000" flipV="1">
+              <a:off x="12369" y="7425"/>
+              <a:ext cx="834" cy="660"/>
+            </a:xfrm>
+            <a:prstGeom prst="bentConnector3">
+              <a:avLst>
+                <a:gd name="adj1" fmla="val 50000"/>
+              </a:avLst>
+            </a:prstGeom>
+            <a:ln w="19050">
+              <a:solidFill>
+                <a:schemeClr val="bg1">
+                  <a:lumMod val="75000"/>
+                </a:schemeClr>
+              </a:solidFill>
+              <a:tailEnd type="arrow"/>
+            </a:ln>
+          </p:spPr>
+          <p:style>
+            <a:lnRef idx="1">
+              <a:schemeClr val="accent1"/>
+            </a:lnRef>
+            <a:fillRef idx="0">
+              <a:schemeClr val="accent1"/>
+            </a:fillRef>
+            <a:effectRef idx="0">
+              <a:schemeClr val="accent1"/>
+            </a:effectRef>
+            <a:fontRef idx="minor">
+              <a:schemeClr val="tx1"/>
+            </a:fontRef>
+          </p:style>
+        </p:cxnSp>
       </p:grpSp>
       <p:cxnSp>
         <p:nvCxnSpPr>
-          <p:cNvPr id="35" name="肘形连接符 34"/>
-          <p:cNvCxnSpPr>
-            <a:stCxn id="4" idx="2"/>
-            <a:endCxn id="15" idx="0"/>
-          </p:cNvCxnSpPr>
+          <p:cNvPr id="51" name="直接连接符 50"/>
+          <p:cNvCxnSpPr/>
           <p:nvPr/>
         </p:nvCxnSpPr>
         <p:spPr>
-          <a:xfrm rot="5400000">
-            <a:off x="4022725" y="1630680"/>
-            <a:ext cx="663575" cy="1777365"/>
+          <a:xfrm flipH="1" flipV="1">
+            <a:off x="1858010" y="4318000"/>
+            <a:ext cx="8686800" cy="34290"/>
           </a:xfrm>
-          <a:prstGeom prst="bentConnector3">
-            <a:avLst>
-              <a:gd name="adj1" fmla="val 50048"/>
-            </a:avLst>
+          <a:prstGeom prst="line">
+            <a:avLst/>
           </a:prstGeom>
           <a:ln w="19050">
             <a:solidFill>
               <a:schemeClr val="bg1">
-                <a:lumMod val="75000"/>
+                <a:lumMod val="50000"/>
               </a:schemeClr>
             </a:solidFill>
-            <a:tailEnd type="arrow"/>
+            <a:prstDash val="dash"/>
           </a:ln>
         </p:spPr>
         <p:style>
@@ -3518,565 +4130,122 @@
           </a:fontRef>
         </p:style>
       </p:cxnSp>
-      <p:cxnSp>
-        <p:nvCxnSpPr>
-          <p:cNvPr id="36" name="肘形连接符 35"/>
-          <p:cNvCxnSpPr>
-            <a:stCxn id="4" idx="2"/>
-            <a:endCxn id="16" idx="0"/>
-          </p:cNvCxnSpPr>
+      <p:sp>
+        <p:nvSpPr>
+          <p:cNvPr id="52" name="文本框 51"/>
+          <p:cNvSpPr txBox="1"/>
           <p:nvPr/>
-        </p:nvCxnSpPr>
+        </p:nvSpPr>
         <p:spPr>
-          <a:xfrm rot="5400000" flipV="1">
-            <a:off x="5800090" y="1630680"/>
-            <a:ext cx="663575" cy="1777365"/>
+          <a:xfrm>
+            <a:off x="1858010" y="1179195"/>
+            <a:ext cx="1360805" cy="483235"/>
           </a:xfrm>
-          <a:prstGeom prst="bentConnector3">
-            <a:avLst>
-              <a:gd name="adj1" fmla="val 50048"/>
-            </a:avLst>
+          <a:prstGeom prst="rect">
+            <a:avLst/>
           </a:prstGeom>
-          <a:ln w="19050">
-            <a:solidFill>
-              <a:schemeClr val="bg1">
-                <a:lumMod val="75000"/>
-              </a:schemeClr>
-            </a:solidFill>
-            <a:tailEnd type="arrow"/>
-          </a:ln>
+          <a:noFill/>
         </p:spPr>
-        <p:style>
-          <a:lnRef idx="1">
-            <a:schemeClr val="accent1"/>
-          </a:lnRef>
-          <a:fillRef idx="0">
-            <a:schemeClr val="accent1"/>
-          </a:fillRef>
-          <a:effectRef idx="0">
-            <a:schemeClr val="accent1"/>
-          </a:effectRef>
-          <a:fontRef idx="minor">
-            <a:schemeClr val="tx1"/>
-          </a:fontRef>
-        </p:style>
-      </p:cxnSp>
-      <p:cxnSp>
-        <p:nvCxnSpPr>
-          <p:cNvPr id="37" name="肘形连接符 36"/>
-          <p:cNvCxnSpPr>
-            <a:stCxn id="15" idx="2"/>
-            <a:endCxn id="5" idx="0"/>
-          </p:cNvCxnSpPr>
+        <p:txBody>
+          <a:bodyPr wrap="none" rtlCol="0">
+            <a:spAutoFit/>
+          </a:bodyPr>
+          <a:p>
+            <a:pPr algn="l"/>
+            <a:r>
+              <a:rPr lang="en-US" altLang="zh-CN" sz="2400" b="1">
+                <a:solidFill>
+                  <a:schemeClr val="bg1">
+                    <a:lumMod val="50000"/>
+                  </a:schemeClr>
+                </a:solidFill>
+                <a:latin typeface="微软雅黑" panose="020B0503020204020204" charset="-122"/>
+                <a:ea typeface="微软雅黑" panose="020B0503020204020204" charset="-122"/>
+              </a:rPr>
+              <a:t>B</a:t>
+            </a:r>
+            <a:r>
+              <a:rPr lang="zh-CN" altLang="en-US" sz="2400">
+                <a:solidFill>
+                  <a:schemeClr val="bg1">
+                    <a:lumMod val="50000"/>
+                  </a:schemeClr>
+                </a:solidFill>
+                <a:latin typeface="微软雅黑 Light" panose="020B0502040204020203" charset="-122"/>
+                <a:ea typeface="微软雅黑 Light" panose="020B0502040204020203" charset="-122"/>
+              </a:rPr>
+              <a:t>usiness</a:t>
+            </a:r>
+            <a:endParaRPr lang="zh-CN" altLang="en-US" sz="2400">
+              <a:solidFill>
+                <a:schemeClr val="bg1">
+                  <a:lumMod val="50000"/>
+                </a:schemeClr>
+              </a:solidFill>
+              <a:latin typeface="微软雅黑 Light" panose="020B0502040204020203" charset="-122"/>
+              <a:ea typeface="微软雅黑 Light" panose="020B0502040204020203" charset="-122"/>
+            </a:endParaRPr>
+          </a:p>
+        </p:txBody>
+      </p:sp>
+      <p:sp>
+        <p:nvSpPr>
+          <p:cNvPr id="53" name="文本框 52"/>
+          <p:cNvSpPr txBox="1"/>
           <p:nvPr/>
-        </p:nvCxnSpPr>
+        </p:nvSpPr>
         <p:spPr>
-          <a:xfrm rot="5400000">
-            <a:off x="2704465" y="3310890"/>
-            <a:ext cx="634365" cy="889000"/>
+          <a:xfrm>
+            <a:off x="1858010" y="4756785"/>
+            <a:ext cx="1475105" cy="483235"/>
           </a:xfrm>
-          <a:prstGeom prst="bentConnector3">
-            <a:avLst>
-              <a:gd name="adj1" fmla="val 50000"/>
-            </a:avLst>
+          <a:prstGeom prst="rect">
+            <a:avLst/>
           </a:prstGeom>
-          <a:ln w="19050">
-            <a:solidFill>
-              <a:schemeClr val="bg1">
-                <a:lumMod val="75000"/>
-              </a:schemeClr>
-            </a:solidFill>
-            <a:tailEnd type="arrow"/>
-          </a:ln>
+          <a:noFill/>
         </p:spPr>
-        <p:style>
-          <a:lnRef idx="1">
-            <a:schemeClr val="accent1"/>
-          </a:lnRef>
-          <a:fillRef idx="0">
-            <a:schemeClr val="accent1"/>
-          </a:fillRef>
-          <a:effectRef idx="0">
-            <a:schemeClr val="accent1"/>
-          </a:effectRef>
-          <a:fontRef idx="minor">
-            <a:schemeClr val="tx1"/>
-          </a:fontRef>
-        </p:style>
-      </p:cxnSp>
-      <p:cxnSp>
-        <p:nvCxnSpPr>
-          <p:cNvPr id="38" name="肘形连接符 37"/>
-          <p:cNvCxnSpPr>
-            <a:stCxn id="15" idx="2"/>
-            <a:endCxn id="6" idx="0"/>
-          </p:cNvCxnSpPr>
-          <p:nvPr/>
-        </p:nvCxnSpPr>
-        <p:spPr>
-          <a:xfrm rot="5400000" flipV="1">
-            <a:off x="3593465" y="3310890"/>
-            <a:ext cx="634365" cy="889000"/>
-          </a:xfrm>
-          <a:prstGeom prst="bentConnector3">
-            <a:avLst>
-              <a:gd name="adj1" fmla="val 50000"/>
-            </a:avLst>
-          </a:prstGeom>
-          <a:ln w="19050">
-            <a:solidFill>
-              <a:schemeClr val="bg1">
-                <a:lumMod val="75000"/>
-              </a:schemeClr>
-            </a:solidFill>
-            <a:tailEnd type="arrow"/>
-          </a:ln>
-        </p:spPr>
-        <p:style>
-          <a:lnRef idx="1">
-            <a:schemeClr val="accent1"/>
-          </a:lnRef>
-          <a:fillRef idx="0">
-            <a:schemeClr val="accent1"/>
-          </a:fillRef>
-          <a:effectRef idx="0">
-            <a:schemeClr val="accent1"/>
-          </a:effectRef>
-          <a:fontRef idx="minor">
-            <a:schemeClr val="tx1"/>
-          </a:fontRef>
-        </p:style>
-      </p:cxnSp>
-      <p:cxnSp>
-        <p:nvCxnSpPr>
-          <p:cNvPr id="39" name="肘形连接符 38"/>
-          <p:cNvCxnSpPr>
-            <a:stCxn id="16" idx="2"/>
-            <a:endCxn id="8" idx="0"/>
-          </p:cNvCxnSpPr>
-          <p:nvPr/>
-        </p:nvCxnSpPr>
-        <p:spPr>
-          <a:xfrm rot="5400000">
-            <a:off x="6259195" y="3310890"/>
-            <a:ext cx="634365" cy="889000"/>
-          </a:xfrm>
-          <a:prstGeom prst="bentConnector3">
-            <a:avLst>
-              <a:gd name="adj1" fmla="val 50000"/>
-            </a:avLst>
-          </a:prstGeom>
-          <a:ln w="19050">
-            <a:solidFill>
-              <a:schemeClr val="bg1">
-                <a:lumMod val="75000"/>
-              </a:schemeClr>
-            </a:solidFill>
-            <a:tailEnd type="arrow"/>
-          </a:ln>
-        </p:spPr>
-        <p:style>
-          <a:lnRef idx="1">
-            <a:schemeClr val="accent1"/>
-          </a:lnRef>
-          <a:fillRef idx="0">
-            <a:schemeClr val="accent1"/>
-          </a:fillRef>
-          <a:effectRef idx="0">
-            <a:schemeClr val="accent1"/>
-          </a:effectRef>
-          <a:fontRef idx="minor">
-            <a:schemeClr val="tx1"/>
-          </a:fontRef>
-        </p:style>
-      </p:cxnSp>
-      <p:cxnSp>
-        <p:nvCxnSpPr>
-          <p:cNvPr id="40" name="肘形连接符 39"/>
-          <p:cNvCxnSpPr>
-            <a:stCxn id="16" idx="2"/>
-            <a:endCxn id="7" idx="0"/>
-          </p:cNvCxnSpPr>
-          <p:nvPr/>
-        </p:nvCxnSpPr>
-        <p:spPr>
-          <a:xfrm rot="5400000" flipV="1">
-            <a:off x="7148195" y="3310890"/>
-            <a:ext cx="634365" cy="889000"/>
-          </a:xfrm>
-          <a:prstGeom prst="bentConnector3">
-            <a:avLst>
-              <a:gd name="adj1" fmla="val 50000"/>
-            </a:avLst>
-          </a:prstGeom>
-          <a:ln w="19050">
-            <a:solidFill>
-              <a:schemeClr val="bg1">
-                <a:lumMod val="75000"/>
-              </a:schemeClr>
-            </a:solidFill>
-            <a:tailEnd type="arrow"/>
-          </a:ln>
-        </p:spPr>
-        <p:style>
-          <a:lnRef idx="1">
-            <a:schemeClr val="accent1"/>
-          </a:lnRef>
-          <a:fillRef idx="0">
-            <a:schemeClr val="accent1"/>
-          </a:fillRef>
-          <a:effectRef idx="0">
-            <a:schemeClr val="accent1"/>
-          </a:effectRef>
-          <a:fontRef idx="minor">
-            <a:schemeClr val="tx1"/>
-          </a:fontRef>
-        </p:style>
-      </p:cxnSp>
-      <p:cxnSp>
-        <p:nvCxnSpPr>
-          <p:cNvPr id="41" name="肘形连接符 40"/>
-          <p:cNvCxnSpPr>
-            <a:stCxn id="5" idx="2"/>
-            <a:endCxn id="18" idx="0"/>
-          </p:cNvCxnSpPr>
-          <p:nvPr/>
-        </p:nvCxnSpPr>
-        <p:spPr>
-          <a:xfrm rot="5400000">
-            <a:off x="2102485" y="4714875"/>
-            <a:ext cx="529590" cy="419100"/>
-          </a:xfrm>
-          <a:prstGeom prst="bentConnector3">
-            <a:avLst>
-              <a:gd name="adj1" fmla="val 50000"/>
-            </a:avLst>
-          </a:prstGeom>
-          <a:ln w="19050">
-            <a:solidFill>
-              <a:schemeClr val="bg1">
-                <a:lumMod val="75000"/>
-              </a:schemeClr>
-            </a:solidFill>
-            <a:tailEnd type="arrow"/>
-          </a:ln>
-        </p:spPr>
-        <p:style>
-          <a:lnRef idx="1">
-            <a:schemeClr val="accent1"/>
-          </a:lnRef>
-          <a:fillRef idx="0">
-            <a:schemeClr val="accent1"/>
-          </a:fillRef>
-          <a:effectRef idx="0">
-            <a:schemeClr val="accent1"/>
-          </a:effectRef>
-          <a:fontRef idx="minor">
-            <a:schemeClr val="tx1"/>
-          </a:fontRef>
-        </p:style>
-      </p:cxnSp>
-      <p:cxnSp>
-        <p:nvCxnSpPr>
-          <p:cNvPr id="42" name="肘形连接符 41"/>
-          <p:cNvCxnSpPr>
-            <a:stCxn id="5" idx="2"/>
-            <a:endCxn id="20" idx="0"/>
-          </p:cNvCxnSpPr>
-          <p:nvPr/>
-        </p:nvCxnSpPr>
-        <p:spPr>
-          <a:xfrm rot="5400000" flipV="1">
-            <a:off x="2521585" y="4714875"/>
-            <a:ext cx="529590" cy="419100"/>
-          </a:xfrm>
-          <a:prstGeom prst="bentConnector3">
-            <a:avLst>
-              <a:gd name="adj1" fmla="val 50000"/>
-            </a:avLst>
-          </a:prstGeom>
-          <a:ln w="19050">
-            <a:solidFill>
-              <a:schemeClr val="bg1">
-                <a:lumMod val="75000"/>
-              </a:schemeClr>
-            </a:solidFill>
-            <a:tailEnd type="arrow"/>
-          </a:ln>
-        </p:spPr>
-        <p:style>
-          <a:lnRef idx="1">
-            <a:schemeClr val="accent1"/>
-          </a:lnRef>
-          <a:fillRef idx="0">
-            <a:schemeClr val="accent1"/>
-          </a:fillRef>
-          <a:effectRef idx="0">
-            <a:schemeClr val="accent1"/>
-          </a:effectRef>
-          <a:fontRef idx="minor">
-            <a:schemeClr val="tx1"/>
-          </a:fontRef>
-        </p:style>
-      </p:cxnSp>
-      <p:cxnSp>
-        <p:nvCxnSpPr>
-          <p:cNvPr id="43" name="肘形连接符 42"/>
-          <p:cNvCxnSpPr>
-            <a:stCxn id="6" idx="2"/>
-            <a:endCxn id="21" idx="0"/>
-          </p:cNvCxnSpPr>
-          <p:nvPr/>
-        </p:nvCxnSpPr>
-        <p:spPr>
-          <a:xfrm rot="5400000">
-            <a:off x="3880485" y="4714875"/>
-            <a:ext cx="529590" cy="419100"/>
-          </a:xfrm>
-          <a:prstGeom prst="bentConnector3">
-            <a:avLst>
-              <a:gd name="adj1" fmla="val 50000"/>
-            </a:avLst>
-          </a:prstGeom>
-          <a:ln w="19050">
-            <a:solidFill>
-              <a:schemeClr val="bg1">
-                <a:lumMod val="75000"/>
-              </a:schemeClr>
-            </a:solidFill>
-            <a:tailEnd type="arrow"/>
-          </a:ln>
-        </p:spPr>
-        <p:style>
-          <a:lnRef idx="1">
-            <a:schemeClr val="accent1"/>
-          </a:lnRef>
-          <a:fillRef idx="0">
-            <a:schemeClr val="accent1"/>
-          </a:fillRef>
-          <a:effectRef idx="0">
-            <a:schemeClr val="accent1"/>
-          </a:effectRef>
-          <a:fontRef idx="minor">
-            <a:schemeClr val="tx1"/>
-          </a:fontRef>
-        </p:style>
-      </p:cxnSp>
-      <p:cxnSp>
-        <p:nvCxnSpPr>
-          <p:cNvPr id="44" name="肘形连接符 43"/>
-          <p:cNvCxnSpPr>
-            <a:stCxn id="6" idx="2"/>
-            <a:endCxn id="22" idx="0"/>
-          </p:cNvCxnSpPr>
-          <p:nvPr/>
-        </p:nvCxnSpPr>
-        <p:spPr>
-          <a:xfrm rot="5400000" flipV="1">
-            <a:off x="4299585" y="4714875"/>
-            <a:ext cx="529590" cy="419100"/>
-          </a:xfrm>
-          <a:prstGeom prst="bentConnector3">
-            <a:avLst>
-              <a:gd name="adj1" fmla="val 50000"/>
-            </a:avLst>
-          </a:prstGeom>
-          <a:ln w="19050">
-            <a:solidFill>
-              <a:schemeClr val="bg1">
-                <a:lumMod val="75000"/>
-              </a:schemeClr>
-            </a:solidFill>
-            <a:tailEnd type="arrow"/>
-          </a:ln>
-        </p:spPr>
-        <p:style>
-          <a:lnRef idx="1">
-            <a:schemeClr val="accent1"/>
-          </a:lnRef>
-          <a:fillRef idx="0">
-            <a:schemeClr val="accent1"/>
-          </a:fillRef>
-          <a:effectRef idx="0">
-            <a:schemeClr val="accent1"/>
-          </a:effectRef>
-          <a:fontRef idx="minor">
-            <a:schemeClr val="tx1"/>
-          </a:fontRef>
-        </p:style>
-      </p:cxnSp>
-      <p:cxnSp>
-        <p:nvCxnSpPr>
-          <p:cNvPr id="45" name="肘形连接符 44"/>
-          <p:cNvCxnSpPr>
-            <a:stCxn id="8" idx="2"/>
-            <a:endCxn id="23" idx="0"/>
-          </p:cNvCxnSpPr>
-          <p:nvPr/>
-        </p:nvCxnSpPr>
-        <p:spPr>
-          <a:xfrm rot="5400000">
-            <a:off x="5657215" y="4714875"/>
-            <a:ext cx="529590" cy="419100"/>
-          </a:xfrm>
-          <a:prstGeom prst="bentConnector3">
-            <a:avLst>
-              <a:gd name="adj1" fmla="val 50000"/>
-            </a:avLst>
-          </a:prstGeom>
-          <a:ln w="19050">
-            <a:solidFill>
-              <a:schemeClr val="bg1">
-                <a:lumMod val="75000"/>
-              </a:schemeClr>
-            </a:solidFill>
-            <a:tailEnd type="arrow"/>
-          </a:ln>
-        </p:spPr>
-        <p:style>
-          <a:lnRef idx="1">
-            <a:schemeClr val="accent1"/>
-          </a:lnRef>
-          <a:fillRef idx="0">
-            <a:schemeClr val="accent1"/>
-          </a:fillRef>
-          <a:effectRef idx="0">
-            <a:schemeClr val="accent1"/>
-          </a:effectRef>
-          <a:fontRef idx="minor">
-            <a:schemeClr val="tx1"/>
-          </a:fontRef>
-        </p:style>
-      </p:cxnSp>
-      <p:cxnSp>
-        <p:nvCxnSpPr>
-          <p:cNvPr id="47" name="肘形连接符 46"/>
-          <p:cNvCxnSpPr>
-            <a:stCxn id="8" idx="2"/>
-            <a:endCxn id="24" idx="0"/>
-          </p:cNvCxnSpPr>
-          <p:nvPr/>
-        </p:nvCxnSpPr>
-        <p:spPr>
-          <a:xfrm rot="5400000" flipV="1">
-            <a:off x="6076315" y="4714875"/>
-            <a:ext cx="529590" cy="419100"/>
-          </a:xfrm>
-          <a:prstGeom prst="bentConnector3">
-            <a:avLst>
-              <a:gd name="adj1" fmla="val 50000"/>
-            </a:avLst>
-          </a:prstGeom>
-          <a:ln w="19050">
-            <a:solidFill>
-              <a:schemeClr val="bg1">
-                <a:lumMod val="75000"/>
-              </a:schemeClr>
-            </a:solidFill>
-            <a:tailEnd type="arrow"/>
-          </a:ln>
-        </p:spPr>
-        <p:style>
-          <a:lnRef idx="1">
-            <a:schemeClr val="accent1"/>
-          </a:lnRef>
-          <a:fillRef idx="0">
-            <a:schemeClr val="accent1"/>
-          </a:fillRef>
-          <a:effectRef idx="0">
-            <a:schemeClr val="accent1"/>
-          </a:effectRef>
-          <a:fontRef idx="minor">
-            <a:schemeClr val="tx1"/>
-          </a:fontRef>
-        </p:style>
-      </p:cxnSp>
-      <p:cxnSp>
-        <p:nvCxnSpPr>
-          <p:cNvPr id="48" name="肘形连接符 47"/>
-          <p:cNvCxnSpPr>
-            <a:stCxn id="7" idx="2"/>
-            <a:endCxn id="25" idx="0"/>
-          </p:cNvCxnSpPr>
-          <p:nvPr/>
-        </p:nvCxnSpPr>
-        <p:spPr>
-          <a:xfrm rot="5400000">
-            <a:off x="7435215" y="4714875"/>
-            <a:ext cx="529590" cy="419100"/>
-          </a:xfrm>
-          <a:prstGeom prst="bentConnector3">
-            <a:avLst>
-              <a:gd name="adj1" fmla="val 50000"/>
-            </a:avLst>
-          </a:prstGeom>
-          <a:ln w="19050">
-            <a:solidFill>
-              <a:schemeClr val="bg1">
-                <a:lumMod val="75000"/>
-              </a:schemeClr>
-            </a:solidFill>
-            <a:tailEnd type="arrow"/>
-          </a:ln>
-        </p:spPr>
-        <p:style>
-          <a:lnRef idx="1">
-            <a:schemeClr val="accent1"/>
-          </a:lnRef>
-          <a:fillRef idx="0">
-            <a:schemeClr val="accent1"/>
-          </a:fillRef>
-          <a:effectRef idx="0">
-            <a:schemeClr val="accent1"/>
-          </a:effectRef>
-          <a:fontRef idx="minor">
-            <a:schemeClr val="tx1"/>
-          </a:fontRef>
-        </p:style>
-      </p:cxnSp>
-      <p:cxnSp>
-        <p:nvCxnSpPr>
-          <p:cNvPr id="49" name="肘形连接符 48"/>
-          <p:cNvCxnSpPr>
-            <a:stCxn id="7" idx="2"/>
-            <a:endCxn id="26" idx="0"/>
-          </p:cNvCxnSpPr>
-          <p:nvPr/>
-        </p:nvCxnSpPr>
-        <p:spPr>
-          <a:xfrm rot="5400000" flipV="1">
-            <a:off x="7854315" y="4714875"/>
-            <a:ext cx="529590" cy="419100"/>
-          </a:xfrm>
-          <a:prstGeom prst="bentConnector3">
-            <a:avLst>
-              <a:gd name="adj1" fmla="val 50000"/>
-            </a:avLst>
-          </a:prstGeom>
-          <a:ln w="19050">
-            <a:solidFill>
-              <a:schemeClr val="bg1">
-                <a:lumMod val="75000"/>
-              </a:schemeClr>
-            </a:solidFill>
-            <a:tailEnd type="arrow"/>
-          </a:ln>
-        </p:spPr>
-        <p:style>
-          <a:lnRef idx="1">
-            <a:schemeClr val="accent1"/>
-          </a:lnRef>
-          <a:fillRef idx="0">
-            <a:schemeClr val="accent1"/>
-          </a:fillRef>
-          <a:effectRef idx="0">
-            <a:schemeClr val="accent1"/>
-          </a:effectRef>
-          <a:fontRef idx="minor">
-            <a:schemeClr val="tx1"/>
-          </a:fontRef>
-        </p:style>
-      </p:cxnSp>
+        <p:txBody>
+          <a:bodyPr wrap="none" rtlCol="0">
+            <a:spAutoFit/>
+          </a:bodyPr>
+          <a:p>
+            <a:pPr algn="l"/>
+            <a:r>
+              <a:rPr lang="en-US" altLang="zh-CN" sz="2400" b="1">
+                <a:solidFill>
+                  <a:schemeClr val="bg1">
+                    <a:lumMod val="50000"/>
+                  </a:schemeClr>
+                </a:solidFill>
+                <a:latin typeface="微软雅黑" panose="020B0503020204020204" charset="-122"/>
+                <a:ea typeface="微软雅黑" panose="020B0503020204020204" charset="-122"/>
+              </a:rPr>
+              <a:t>C</a:t>
+            </a:r>
+            <a:r>
+              <a:rPr lang="en-US" altLang="zh-CN" sz="2400">
+                <a:solidFill>
+                  <a:schemeClr val="bg1">
+                    <a:lumMod val="50000"/>
+                  </a:schemeClr>
+                </a:solidFill>
+                <a:latin typeface="微软雅黑 Light" panose="020B0502040204020203" charset="-122"/>
+                <a:ea typeface="微软雅黑 Light" panose="020B0502040204020203" charset="-122"/>
+              </a:rPr>
+              <a:t>ommon</a:t>
+            </a:r>
+            <a:endParaRPr lang="en-US" altLang="zh-CN" sz="2400">
+              <a:solidFill>
+                <a:schemeClr val="bg1">
+                  <a:lumMod val="50000"/>
+                </a:schemeClr>
+              </a:solidFill>
+              <a:latin typeface="微软雅黑 Light" panose="020B0502040204020203" charset="-122"/>
+              <a:ea typeface="微软雅黑 Light" panose="020B0502040204020203" charset="-122"/>
+            </a:endParaRPr>
+          </a:p>
+        </p:txBody>
+      </p:sp>
     </p:spTree>
   </p:cSld>
   <p:clrMapOvr>
